--- a/Documents/design/JsonForField.pptx
+++ b/Documents/design/JsonForField.pptx
@@ -105,6 +105,11 @@
       </a:defRPr>
     </a:lvl9pPr>
   </p:defaultTextStyle>
+  <p:extLst>
+    <p:ext uri="{EFAFB233-063F-42B5-8137-9DF3F51BA10A}">
+      <p15:sldGuideLst xmlns:p15="http://schemas.microsoft.com/office/powerpoint/2012/main"/>
+    </p:ext>
+  </p:extLst>
 </p:presentation>
 </file>
 
@@ -255,7 +260,7 @@
           <a:p>
             <a:fld id="{76F05A1E-192C-498C-9C9B-22DD27AF35C8}" type="datetimeFigureOut">
               <a:rPr lang="en-US" smtClean="0"/>
-              <a:t>1/1/2020</a:t>
+              <a:t>1/2/2020</a:t>
             </a:fld>
             <a:endParaRPr lang="en-US"/>
           </a:p>
@@ -453,7 +458,7 @@
           <a:p>
             <a:fld id="{76F05A1E-192C-498C-9C9B-22DD27AF35C8}" type="datetimeFigureOut">
               <a:rPr lang="en-US" smtClean="0"/>
-              <a:t>1/1/2020</a:t>
+              <a:t>1/2/2020</a:t>
             </a:fld>
             <a:endParaRPr lang="en-US"/>
           </a:p>
@@ -661,7 +666,7 @@
           <a:p>
             <a:fld id="{76F05A1E-192C-498C-9C9B-22DD27AF35C8}" type="datetimeFigureOut">
               <a:rPr lang="en-US" smtClean="0"/>
-              <a:t>1/1/2020</a:t>
+              <a:t>1/2/2020</a:t>
             </a:fld>
             <a:endParaRPr lang="en-US"/>
           </a:p>
@@ -859,7 +864,7 @@
           <a:p>
             <a:fld id="{76F05A1E-192C-498C-9C9B-22DD27AF35C8}" type="datetimeFigureOut">
               <a:rPr lang="en-US" smtClean="0"/>
-              <a:t>1/1/2020</a:t>
+              <a:t>1/2/2020</a:t>
             </a:fld>
             <a:endParaRPr lang="en-US"/>
           </a:p>
@@ -1134,7 +1139,7 @@
           <a:p>
             <a:fld id="{76F05A1E-192C-498C-9C9B-22DD27AF35C8}" type="datetimeFigureOut">
               <a:rPr lang="en-US" smtClean="0"/>
-              <a:t>1/1/2020</a:t>
+              <a:t>1/2/2020</a:t>
             </a:fld>
             <a:endParaRPr lang="en-US"/>
           </a:p>
@@ -1399,7 +1404,7 @@
           <a:p>
             <a:fld id="{76F05A1E-192C-498C-9C9B-22DD27AF35C8}" type="datetimeFigureOut">
               <a:rPr lang="en-US" smtClean="0"/>
-              <a:t>1/1/2020</a:t>
+              <a:t>1/2/2020</a:t>
             </a:fld>
             <a:endParaRPr lang="en-US"/>
           </a:p>
@@ -1811,7 +1816,7 @@
           <a:p>
             <a:fld id="{76F05A1E-192C-498C-9C9B-22DD27AF35C8}" type="datetimeFigureOut">
               <a:rPr lang="en-US" smtClean="0"/>
-              <a:t>1/1/2020</a:t>
+              <a:t>1/2/2020</a:t>
             </a:fld>
             <a:endParaRPr lang="en-US"/>
           </a:p>
@@ -1952,7 +1957,7 @@
           <a:p>
             <a:fld id="{76F05A1E-192C-498C-9C9B-22DD27AF35C8}" type="datetimeFigureOut">
               <a:rPr lang="en-US" smtClean="0"/>
-              <a:t>1/1/2020</a:t>
+              <a:t>1/2/2020</a:t>
             </a:fld>
             <a:endParaRPr lang="en-US"/>
           </a:p>
@@ -2065,7 +2070,7 @@
           <a:p>
             <a:fld id="{76F05A1E-192C-498C-9C9B-22DD27AF35C8}" type="datetimeFigureOut">
               <a:rPr lang="en-US" smtClean="0"/>
-              <a:t>1/1/2020</a:t>
+              <a:t>1/2/2020</a:t>
             </a:fld>
             <a:endParaRPr lang="en-US"/>
           </a:p>
@@ -2376,7 +2381,7 @@
           <a:p>
             <a:fld id="{76F05A1E-192C-498C-9C9B-22DD27AF35C8}" type="datetimeFigureOut">
               <a:rPr lang="en-US" smtClean="0"/>
-              <a:t>1/1/2020</a:t>
+              <a:t>1/2/2020</a:t>
             </a:fld>
             <a:endParaRPr lang="en-US"/>
           </a:p>
@@ -2664,7 +2669,7 @@
           <a:p>
             <a:fld id="{76F05A1E-192C-498C-9C9B-22DD27AF35C8}" type="datetimeFigureOut">
               <a:rPr lang="en-US" smtClean="0"/>
-              <a:t>1/1/2020</a:t>
+              <a:t>1/2/2020</a:t>
             </a:fld>
             <a:endParaRPr lang="en-US"/>
           </a:p>
@@ -2905,7 +2910,7 @@
           <a:p>
             <a:fld id="{76F05A1E-192C-498C-9C9B-22DD27AF35C8}" type="datetimeFigureOut">
               <a:rPr lang="en-US" smtClean="0"/>
-              <a:t>1/1/2020</a:t>
+              <a:t>1/2/2020</a:t>
             </a:fld>
             <a:endParaRPr lang="en-US"/>
           </a:p>
@@ -3883,7 +3888,7 @@
         <p:spPr>
           <a:xfrm>
             <a:off x="3278909" y="1560945"/>
-            <a:ext cx="4045527" cy="3343563"/>
+            <a:ext cx="4659746" cy="3343563"/>
           </a:xfrm>
           <a:prstGeom prst="roundRect">
             <a:avLst/>
@@ -4000,19 +4005,53 @@
               <a:t>	"form_control_name":"</a:t>
             </a:r>
             <a:r>
-              <a:rPr lang="en-US" dirty="0" err="1"/>
+              <a:rPr lang="en-US" dirty="0" err="1" smtClean="0"/>
               <a:t>abc</a:t>
             </a:r>
             <a:r>
+              <a:rPr lang="en-US" dirty="0" smtClean="0"/>
+              <a:t>“,</a:t>
+            </a:r>
+          </a:p>
+          <a:p>
+            <a:r>
               <a:rPr lang="en-US" dirty="0"/>
-              <a:t>"</a:t>
+              <a:t>	“</a:t>
+            </a:r>
+            <a:r>
+              <a:rPr lang="en-US" dirty="0" err="1" smtClean="0"/>
+              <a:t>cssField</a:t>
+            </a:r>
+            <a:r>
+              <a:rPr lang="en-US" dirty="0" smtClean="0"/>
+              <a:t>”:”XXXXX”,</a:t>
             </a:r>
           </a:p>
           <a:p>
             <a:r>
               <a:rPr lang="en-US" dirty="0"/>
+              <a:t>	</a:t>
+            </a:r>
+            <a:r>
+              <a:rPr lang="en-US" dirty="0"/>
+              <a:t>“</a:t>
+            </a:r>
+            <a:r>
+              <a:rPr lang="en-US" dirty="0" err="1" smtClean="0"/>
+              <a:t>scriptField</a:t>
+            </a:r>
+            <a:r>
+              <a:rPr lang="en-US" smtClean="0"/>
+              <a:t>”:”XXXXX”</a:t>
+            </a:r>
+            <a:endParaRPr lang="en-US" dirty="0" smtClean="0"/>
+          </a:p>
+          <a:p>
+            <a:r>
+              <a:rPr lang="en-US" dirty="0" smtClean="0"/>
               <a:t>}</a:t>
             </a:r>
+            <a:endParaRPr lang="en-US" dirty="0"/>
           </a:p>
         </p:txBody>
       </p:sp>

--- a/Documents/design/JsonForField.pptx
+++ b/Documents/design/JsonForField.pptx
@@ -7,6 +7,8 @@
   <p:sldIdLst>
     <p:sldId id="256" r:id="rId2"/>
     <p:sldId id="257" r:id="rId3"/>
+    <p:sldId id="258" r:id="rId4"/>
+    <p:sldId id="259" r:id="rId5"/>
   </p:sldIdLst>
   <p:sldSz cx="12192000" cy="6858000"/>
   <p:notesSz cx="6858000" cy="9144000"/>
@@ -260,7 +262,7 @@
           <a:p>
             <a:fld id="{76F05A1E-192C-498C-9C9B-22DD27AF35C8}" type="datetimeFigureOut">
               <a:rPr lang="en-US" smtClean="0"/>
-              <a:t>1/2/2020</a:t>
+              <a:t>1/12/2020</a:t>
             </a:fld>
             <a:endParaRPr lang="en-US"/>
           </a:p>
@@ -458,7 +460,7 @@
           <a:p>
             <a:fld id="{76F05A1E-192C-498C-9C9B-22DD27AF35C8}" type="datetimeFigureOut">
               <a:rPr lang="en-US" smtClean="0"/>
-              <a:t>1/2/2020</a:t>
+              <a:t>1/12/2020</a:t>
             </a:fld>
             <a:endParaRPr lang="en-US"/>
           </a:p>
@@ -666,7 +668,7 @@
           <a:p>
             <a:fld id="{76F05A1E-192C-498C-9C9B-22DD27AF35C8}" type="datetimeFigureOut">
               <a:rPr lang="en-US" smtClean="0"/>
-              <a:t>1/2/2020</a:t>
+              <a:t>1/12/2020</a:t>
             </a:fld>
             <a:endParaRPr lang="en-US"/>
           </a:p>
@@ -864,7 +866,7 @@
           <a:p>
             <a:fld id="{76F05A1E-192C-498C-9C9B-22DD27AF35C8}" type="datetimeFigureOut">
               <a:rPr lang="en-US" smtClean="0"/>
-              <a:t>1/2/2020</a:t>
+              <a:t>1/12/2020</a:t>
             </a:fld>
             <a:endParaRPr lang="en-US"/>
           </a:p>
@@ -1139,7 +1141,7 @@
           <a:p>
             <a:fld id="{76F05A1E-192C-498C-9C9B-22DD27AF35C8}" type="datetimeFigureOut">
               <a:rPr lang="en-US" smtClean="0"/>
-              <a:t>1/2/2020</a:t>
+              <a:t>1/12/2020</a:t>
             </a:fld>
             <a:endParaRPr lang="en-US"/>
           </a:p>
@@ -1404,7 +1406,7 @@
           <a:p>
             <a:fld id="{76F05A1E-192C-498C-9C9B-22DD27AF35C8}" type="datetimeFigureOut">
               <a:rPr lang="en-US" smtClean="0"/>
-              <a:t>1/2/2020</a:t>
+              <a:t>1/12/2020</a:t>
             </a:fld>
             <a:endParaRPr lang="en-US"/>
           </a:p>
@@ -1816,7 +1818,7 @@
           <a:p>
             <a:fld id="{76F05A1E-192C-498C-9C9B-22DD27AF35C8}" type="datetimeFigureOut">
               <a:rPr lang="en-US" smtClean="0"/>
-              <a:t>1/2/2020</a:t>
+              <a:t>1/12/2020</a:t>
             </a:fld>
             <a:endParaRPr lang="en-US"/>
           </a:p>
@@ -1957,7 +1959,7 @@
           <a:p>
             <a:fld id="{76F05A1E-192C-498C-9C9B-22DD27AF35C8}" type="datetimeFigureOut">
               <a:rPr lang="en-US" smtClean="0"/>
-              <a:t>1/2/2020</a:t>
+              <a:t>1/12/2020</a:t>
             </a:fld>
             <a:endParaRPr lang="en-US"/>
           </a:p>
@@ -2070,7 +2072,7 @@
           <a:p>
             <a:fld id="{76F05A1E-192C-498C-9C9B-22DD27AF35C8}" type="datetimeFigureOut">
               <a:rPr lang="en-US" smtClean="0"/>
-              <a:t>1/2/2020</a:t>
+              <a:t>1/12/2020</a:t>
             </a:fld>
             <a:endParaRPr lang="en-US"/>
           </a:p>
@@ -2381,7 +2383,7 @@
           <a:p>
             <a:fld id="{76F05A1E-192C-498C-9C9B-22DD27AF35C8}" type="datetimeFigureOut">
               <a:rPr lang="en-US" smtClean="0"/>
-              <a:t>1/2/2020</a:t>
+              <a:t>1/12/2020</a:t>
             </a:fld>
             <a:endParaRPr lang="en-US"/>
           </a:p>
@@ -2669,7 +2671,7 @@
           <a:p>
             <a:fld id="{76F05A1E-192C-498C-9C9B-22DD27AF35C8}" type="datetimeFigureOut">
               <a:rPr lang="en-US" smtClean="0"/>
-              <a:t>1/2/2020</a:t>
+              <a:t>1/12/2020</a:t>
             </a:fld>
             <a:endParaRPr lang="en-US"/>
           </a:p>
@@ -2910,7 +2912,7 @@
           <a:p>
             <a:fld id="{76F05A1E-192C-498C-9C9B-22DD27AF35C8}" type="datetimeFigureOut">
               <a:rPr lang="en-US" smtClean="0"/>
-              <a:t>1/2/2020</a:t>
+              <a:t>1/12/2020</a:t>
             </a:fld>
             <a:endParaRPr lang="en-US"/>
           </a:p>
@@ -3950,7 +3952,63 @@
             </a:r>
             <a:r>
               <a:rPr lang="en-US" dirty="0" err="1"/>
-              <a:t>field_type":"input</a:t>
+              <a:t>fieldType</a:t>
+            </a:r>
+            <a:r>
+              <a:rPr lang="en-US" dirty="0"/>
+              <a:t>":"input",</a:t>
+            </a:r>
+          </a:p>
+          <a:p>
+            <a:r>
+              <a:rPr lang="en-US" dirty="0"/>
+              <a:t>	"</a:t>
+            </a:r>
+            <a:r>
+              <a:rPr lang="en-US" dirty="0" err="1"/>
+              <a:t>idField</a:t>
+            </a:r>
+            <a:r>
+              <a:rPr lang="en-US" dirty="0"/>
+              <a:t>":"ID",</a:t>
+            </a:r>
+          </a:p>
+          <a:p>
+            <a:r>
+              <a:rPr lang="en-US" dirty="0"/>
+              <a:t>	“</a:t>
+            </a:r>
+            <a:r>
+              <a:rPr lang="en-US" dirty="0" err="1"/>
+              <a:t>nameField</a:t>
+            </a:r>
+            <a:r>
+              <a:rPr lang="en-US" dirty="0"/>
+              <a:t>”:”NAME”,</a:t>
+            </a:r>
+          </a:p>
+          <a:p>
+            <a:r>
+              <a:rPr lang="en-US" dirty="0"/>
+              <a:t>	"</a:t>
+            </a:r>
+            <a:r>
+              <a:rPr lang="en-US" dirty="0" err="1"/>
+              <a:t>type":"password</a:t>
+            </a:r>
+            <a:r>
+              <a:rPr lang="en-US" dirty="0"/>
+              <a:t>"</a:t>
+            </a:r>
+          </a:p>
+          <a:p>
+            <a:r>
+              <a:rPr lang="en-US" dirty="0"/>
+              <a:t>	"</a:t>
+            </a:r>
+            <a:r>
+              <a:rPr lang="en-US" dirty="0" err="1"/>
+              <a:t>placeholder":"AAA</a:t>
             </a:r>
             <a:r>
               <a:rPr lang="en-US" dirty="0"/>
@@ -3964,52 +4022,18 @@
             </a:r>
             <a:r>
               <a:rPr lang="en-US" dirty="0" err="1"/>
-              <a:t>id":"ID</a:t>
+              <a:t>formControlNameField</a:t>
             </a:r>
             <a:r>
               <a:rPr lang="en-US" dirty="0"/>
-              <a:t>",</a:t>
-            </a:r>
-          </a:p>
-          <a:p>
+              <a:t>":"</a:t>
+            </a:r>
+            <a:r>
+              <a:rPr lang="en-US" dirty="0" err="1"/>
+              <a:t>abc</a:t>
+            </a:r>
             <a:r>
               <a:rPr lang="en-US" dirty="0"/>
-              <a:t>	"</a:t>
-            </a:r>
-            <a:r>
-              <a:rPr lang="en-US" dirty="0" err="1"/>
-              <a:t>type":"password</a:t>
-            </a:r>
-            <a:r>
-              <a:rPr lang="en-US" dirty="0"/>
-              <a:t>"</a:t>
-            </a:r>
-          </a:p>
-          <a:p>
-            <a:r>
-              <a:rPr lang="en-US" dirty="0"/>
-              <a:t>	"</a:t>
-            </a:r>
-            <a:r>
-              <a:rPr lang="en-US" dirty="0" err="1"/>
-              <a:t>place_holder":"AAA</a:t>
-            </a:r>
-            <a:r>
-              <a:rPr lang="en-US" dirty="0"/>
-              <a:t>",</a:t>
-            </a:r>
-          </a:p>
-          <a:p>
-            <a:r>
-              <a:rPr lang="en-US" dirty="0"/>
-              <a:t>	"form_control_name":"</a:t>
-            </a:r>
-            <a:r>
-              <a:rPr lang="en-US" dirty="0" err="1" smtClean="0"/>
-              <a:t>abc</a:t>
-            </a:r>
-            <a:r>
-              <a:rPr lang="en-US" dirty="0" smtClean="0"/>
               <a:t>“,</a:t>
             </a:r>
           </a:p>
@@ -4019,39 +4043,33 @@
               <a:t>	“</a:t>
             </a:r>
             <a:r>
-              <a:rPr lang="en-US" dirty="0" err="1" smtClean="0"/>
+              <a:rPr lang="en-US" dirty="0" err="1"/>
               <a:t>cssField</a:t>
             </a:r>
             <a:r>
-              <a:rPr lang="en-US" dirty="0" smtClean="0"/>
+              <a:rPr lang="en-US" dirty="0"/>
               <a:t>”:”XXXXX”,</a:t>
             </a:r>
           </a:p>
           <a:p>
             <a:r>
               <a:rPr lang="en-US" dirty="0"/>
-              <a:t>	</a:t>
+              <a:t>	“</a:t>
+            </a:r>
+            <a:r>
+              <a:rPr lang="en-US" dirty="0" err="1"/>
+              <a:t>scriptField</a:t>
             </a:r>
             <a:r>
               <a:rPr lang="en-US" dirty="0"/>
-              <a:t>“</a:t>
-            </a:r>
-            <a:r>
-              <a:rPr lang="en-US" dirty="0" err="1" smtClean="0"/>
-              <a:t>scriptField</a:t>
-            </a:r>
-            <a:r>
-              <a:rPr lang="en-US" smtClean="0"/>
               <a:t>”:”XXXXX”</a:t>
             </a:r>
-            <a:endParaRPr lang="en-US" dirty="0" smtClean="0"/>
-          </a:p>
-          <a:p>
-            <a:r>
-              <a:rPr lang="en-US" dirty="0" smtClean="0"/>
+          </a:p>
+          <a:p>
+            <a:r>
+              <a:rPr lang="en-US" dirty="0"/>
               <a:t>}</a:t>
             </a:r>
-            <a:endParaRPr lang="en-US" dirty="0"/>
           </a:p>
         </p:txBody>
       </p:sp>
@@ -4059,6 +4077,297 @@
     <p:extLst>
       <p:ext uri="{BB962C8B-B14F-4D97-AF65-F5344CB8AC3E}">
         <p14:creationId xmlns:p14="http://schemas.microsoft.com/office/powerpoint/2010/main" val="1769719770"/>
+      </p:ext>
+    </p:extLst>
+  </p:cSld>
+  <p:clrMapOvr>
+    <a:masterClrMapping/>
+  </p:clrMapOvr>
+</p:sld>
+</file>
+
+<file path=ppt/slides/slide3.xml><?xml version="1.0" encoding="utf-8"?>
+<p:sld xmlns:a="http://schemas.openxmlformats.org/drawingml/2006/main" xmlns:r="http://schemas.openxmlformats.org/officeDocument/2006/relationships" xmlns:p="http://schemas.openxmlformats.org/presentationml/2006/main">
+  <p:cSld>
+    <p:spTree>
+      <p:nvGrpSpPr>
+        <p:cNvPr id="1" name=""/>
+        <p:cNvGrpSpPr/>
+        <p:nvPr/>
+      </p:nvGrpSpPr>
+      <p:grpSpPr>
+        <a:xfrm>
+          <a:off x="0" y="0"/>
+          <a:ext cx="0" cy="0"/>
+          <a:chOff x="0" y="0"/>
+          <a:chExt cx="0" cy="0"/>
+        </a:xfrm>
+      </p:grpSpPr>
+      <p:sp>
+        <p:nvSpPr>
+          <p:cNvPr id="4" name="Rectangle 3">
+            <a:extLst>
+              <a:ext uri="{FF2B5EF4-FFF2-40B4-BE49-F238E27FC236}">
+                <a16:creationId xmlns:a16="http://schemas.microsoft.com/office/drawing/2014/main" id="{B7FAEA08-287A-4FA6-94A3-25303B3DA73A}"/>
+              </a:ext>
+            </a:extLst>
+          </p:cNvPr>
+          <p:cNvSpPr/>
+          <p:nvPr/>
+        </p:nvSpPr>
+        <p:spPr>
+          <a:xfrm>
+            <a:off x="0" y="0"/>
+            <a:ext cx="3878049" cy="923330"/>
+          </a:xfrm>
+          <a:prstGeom prst="rect">
+            <a:avLst/>
+          </a:prstGeom>
+          <a:noFill/>
+        </p:spPr>
+        <p:txBody>
+          <a:bodyPr wrap="none" lIns="91440" tIns="45720" rIns="91440" bIns="45720">
+            <a:spAutoFit/>
+          </a:bodyPr>
+          <a:lstStyle/>
+          <a:p>
+            <a:pPr algn="ctr"/>
+            <a:r>
+              <a:rPr lang="en-US" sz="5400" dirty="0">
+                <a:ln w="0"/>
+                <a:solidFill>
+                  <a:schemeClr val="accent1"/>
+                </a:solidFill>
+                <a:effectLst>
+                  <a:outerShdw blurRad="38100" dist="25400" dir="5400000" algn="ctr" rotWithShape="0">
+                    <a:srgbClr val="6E747A">
+                      <a:alpha val="43000"/>
+                    </a:srgbClr>
+                  </a:outerShdw>
+                </a:effectLst>
+              </a:rPr>
+              <a:t>SELECT FIELD</a:t>
+            </a:r>
+            <a:endParaRPr lang="en-US" sz="5400" b="0" cap="none" spc="0" dirty="0">
+              <a:ln w="0"/>
+              <a:solidFill>
+                <a:schemeClr val="accent1"/>
+              </a:solidFill>
+              <a:effectLst>
+                <a:outerShdw blurRad="38100" dist="25400" dir="5400000" algn="ctr" rotWithShape="0">
+                  <a:srgbClr val="6E747A">
+                    <a:alpha val="43000"/>
+                  </a:srgbClr>
+                </a:outerShdw>
+              </a:effectLst>
+            </a:endParaRPr>
+          </a:p>
+        </p:txBody>
+      </p:sp>
+      <p:sp>
+        <p:nvSpPr>
+          <p:cNvPr id="5" name="Rectangle: Rounded Corners 4">
+            <a:extLst>
+              <a:ext uri="{FF2B5EF4-FFF2-40B4-BE49-F238E27FC236}">
+                <a16:creationId xmlns:a16="http://schemas.microsoft.com/office/drawing/2014/main" id="{F822B99F-271D-4D45-8FAE-DF5DB9F9B80A}"/>
+              </a:ext>
+            </a:extLst>
+          </p:cNvPr>
+          <p:cNvSpPr/>
+          <p:nvPr/>
+        </p:nvSpPr>
+        <p:spPr>
+          <a:xfrm>
+            <a:off x="3278909" y="1560945"/>
+            <a:ext cx="4659746" cy="3343563"/>
+          </a:xfrm>
+          <a:prstGeom prst="roundRect">
+            <a:avLst/>
+          </a:prstGeom>
+          <a:solidFill>
+            <a:srgbClr val="00B050"/>
+          </a:solidFill>
+          <a:ln>
+            <a:noFill/>
+          </a:ln>
+          <a:effectLst>
+            <a:outerShdw blurRad="44450" dist="27940" dir="5400000" algn="ctr">
+              <a:srgbClr val="000000">
+                <a:alpha val="32000"/>
+              </a:srgbClr>
+            </a:outerShdw>
+          </a:effectLst>
+          <a:scene3d>
+            <a:camera prst="orthographicFront">
+              <a:rot lat="0" lon="0" rev="0"/>
+            </a:camera>
+            <a:lightRig rig="balanced" dir="t">
+              <a:rot lat="0" lon="0" rev="8700000"/>
+            </a:lightRig>
+          </a:scene3d>
+          <a:sp3d>
+            <a:bevelT w="190500" h="38100"/>
+          </a:sp3d>
+        </p:spPr>
+        <p:style>
+          <a:lnRef idx="2">
+            <a:schemeClr val="accent1">
+              <a:shade val="50000"/>
+            </a:schemeClr>
+          </a:lnRef>
+          <a:fillRef idx="1">
+            <a:schemeClr val="accent1"/>
+          </a:fillRef>
+          <a:effectRef idx="0">
+            <a:schemeClr val="accent1"/>
+          </a:effectRef>
+          <a:fontRef idx="minor">
+            <a:schemeClr val="lt1"/>
+          </a:fontRef>
+        </p:style>
+        <p:txBody>
+          <a:bodyPr rtlCol="0" anchor="ctr"/>
+          <a:lstStyle/>
+          <a:p>
+            <a:r>
+              <a:rPr lang="en-US" dirty="0"/>
+              <a:t>{</a:t>
+            </a:r>
+          </a:p>
+          <a:p>
+            <a:r>
+              <a:rPr lang="en-US" dirty="0"/>
+              <a:t>	"</a:t>
+            </a:r>
+            <a:r>
+              <a:rPr lang="en-US" dirty="0" err="1"/>
+              <a:t>fieldType</a:t>
+            </a:r>
+            <a:r>
+              <a:rPr lang="en-US" dirty="0"/>
+              <a:t>":“select",</a:t>
+            </a:r>
+          </a:p>
+          <a:p>
+            <a:r>
+              <a:rPr lang="en-US" dirty="0"/>
+              <a:t>	"</a:t>
+            </a:r>
+            <a:r>
+              <a:rPr lang="en-US" dirty="0" err="1"/>
+              <a:t>idField</a:t>
+            </a:r>
+            <a:r>
+              <a:rPr lang="en-US" dirty="0"/>
+              <a:t>":"ID",</a:t>
+            </a:r>
+          </a:p>
+          <a:p>
+            <a:r>
+              <a:rPr lang="en-US" dirty="0"/>
+              <a:t>	“</a:t>
+            </a:r>
+            <a:r>
+              <a:rPr lang="en-US" dirty="0" err="1"/>
+              <a:t>nameField</a:t>
+            </a:r>
+            <a:r>
+              <a:rPr lang="en-US" dirty="0"/>
+              <a:t>”:”NAME”,	"</a:t>
+            </a:r>
+            <a:r>
+              <a:rPr lang="en-US" dirty="0" err="1"/>
+              <a:t>formControlNameField</a:t>
+            </a:r>
+            <a:r>
+              <a:rPr lang="en-US" dirty="0"/>
+              <a:t>":"</a:t>
+            </a:r>
+            <a:r>
+              <a:rPr lang="en-US" dirty="0" err="1"/>
+              <a:t>abc</a:t>
+            </a:r>
+            <a:r>
+              <a:rPr lang="en-US" dirty="0"/>
+              <a:t>“,</a:t>
+            </a:r>
+          </a:p>
+          <a:p>
+            <a:r>
+              <a:rPr lang="en-US" dirty="0"/>
+              <a:t>	“options”:[“1”,”2”],</a:t>
+            </a:r>
+          </a:p>
+          <a:p>
+            <a:r>
+              <a:rPr lang="en-US" dirty="0"/>
+              <a:t>	“</a:t>
+            </a:r>
+            <a:r>
+              <a:rPr lang="en-US" dirty="0" err="1"/>
+              <a:t>cssField</a:t>
+            </a:r>
+            <a:r>
+              <a:rPr lang="en-US" dirty="0"/>
+              <a:t>”:”XXXXX”,</a:t>
+            </a:r>
+          </a:p>
+          <a:p>
+            <a:r>
+              <a:rPr lang="en-US" dirty="0"/>
+              <a:t>	“</a:t>
+            </a:r>
+            <a:r>
+              <a:rPr lang="en-US" dirty="0" err="1"/>
+              <a:t>scriptField</a:t>
+            </a:r>
+            <a:r>
+              <a:rPr lang="en-US" dirty="0"/>
+              <a:t>”:”XXXXX”</a:t>
+            </a:r>
+          </a:p>
+          <a:p>
+            <a:r>
+              <a:rPr lang="en-US" dirty="0"/>
+              <a:t>}</a:t>
+            </a:r>
+          </a:p>
+        </p:txBody>
+      </p:sp>
+    </p:spTree>
+    <p:extLst>
+      <p:ext uri="{BB962C8B-B14F-4D97-AF65-F5344CB8AC3E}">
+        <p14:creationId xmlns:p14="http://schemas.microsoft.com/office/powerpoint/2010/main" val="1317167460"/>
+      </p:ext>
+    </p:extLst>
+  </p:cSld>
+  <p:clrMapOvr>
+    <a:masterClrMapping/>
+  </p:clrMapOvr>
+</p:sld>
+</file>
+
+<file path=ppt/slides/slide4.xml><?xml version="1.0" encoding="utf-8"?>
+<p:sld xmlns:a="http://schemas.openxmlformats.org/drawingml/2006/main" xmlns:r="http://schemas.openxmlformats.org/officeDocument/2006/relationships" xmlns:p="http://schemas.openxmlformats.org/presentationml/2006/main">
+  <p:cSld>
+    <p:spTree>
+      <p:nvGrpSpPr>
+        <p:cNvPr id="1" name=""/>
+        <p:cNvGrpSpPr/>
+        <p:nvPr/>
+      </p:nvGrpSpPr>
+      <p:grpSpPr>
+        <a:xfrm>
+          <a:off x="0" y="0"/>
+          <a:ext cx="0" cy="0"/>
+          <a:chOff x="0" y="0"/>
+          <a:chExt cx="0" cy="0"/>
+        </a:xfrm>
+      </p:grpSpPr>
+    </p:spTree>
+    <p:extLst>
+      <p:ext uri="{BB962C8B-B14F-4D97-AF65-F5344CB8AC3E}">
+        <p14:creationId xmlns:p14="http://schemas.microsoft.com/office/powerpoint/2010/main" val="2923732989"/>
       </p:ext>
     </p:extLst>
   </p:cSld>

--- a/Documents/design/JsonForField.pptx
+++ b/Documents/design/JsonForField.pptx
@@ -9,6 +9,7 @@
     <p:sldId id="257" r:id="rId3"/>
     <p:sldId id="258" r:id="rId4"/>
     <p:sldId id="259" r:id="rId5"/>
+    <p:sldId id="260" r:id="rId6"/>
   </p:sldIdLst>
   <p:sldSz cx="12192000" cy="6858000"/>
   <p:notesSz cx="6858000" cy="9144000"/>
@@ -262,7 +263,7 @@
           <a:p>
             <a:fld id="{76F05A1E-192C-498C-9C9B-22DD27AF35C8}" type="datetimeFigureOut">
               <a:rPr lang="en-US" smtClean="0"/>
-              <a:t>1/12/2020</a:t>
+              <a:t>1/26/2020</a:t>
             </a:fld>
             <a:endParaRPr lang="en-US"/>
           </a:p>
@@ -460,7 +461,7 @@
           <a:p>
             <a:fld id="{76F05A1E-192C-498C-9C9B-22DD27AF35C8}" type="datetimeFigureOut">
               <a:rPr lang="en-US" smtClean="0"/>
-              <a:t>1/12/2020</a:t>
+              <a:t>1/26/2020</a:t>
             </a:fld>
             <a:endParaRPr lang="en-US"/>
           </a:p>
@@ -668,7 +669,7 @@
           <a:p>
             <a:fld id="{76F05A1E-192C-498C-9C9B-22DD27AF35C8}" type="datetimeFigureOut">
               <a:rPr lang="en-US" smtClean="0"/>
-              <a:t>1/12/2020</a:t>
+              <a:t>1/26/2020</a:t>
             </a:fld>
             <a:endParaRPr lang="en-US"/>
           </a:p>
@@ -866,7 +867,7 @@
           <a:p>
             <a:fld id="{76F05A1E-192C-498C-9C9B-22DD27AF35C8}" type="datetimeFigureOut">
               <a:rPr lang="en-US" smtClean="0"/>
-              <a:t>1/12/2020</a:t>
+              <a:t>1/26/2020</a:t>
             </a:fld>
             <a:endParaRPr lang="en-US"/>
           </a:p>
@@ -1141,7 +1142,7 @@
           <a:p>
             <a:fld id="{76F05A1E-192C-498C-9C9B-22DD27AF35C8}" type="datetimeFigureOut">
               <a:rPr lang="en-US" smtClean="0"/>
-              <a:t>1/12/2020</a:t>
+              <a:t>1/26/2020</a:t>
             </a:fld>
             <a:endParaRPr lang="en-US"/>
           </a:p>
@@ -1406,7 +1407,7 @@
           <a:p>
             <a:fld id="{76F05A1E-192C-498C-9C9B-22DD27AF35C8}" type="datetimeFigureOut">
               <a:rPr lang="en-US" smtClean="0"/>
-              <a:t>1/12/2020</a:t>
+              <a:t>1/26/2020</a:t>
             </a:fld>
             <a:endParaRPr lang="en-US"/>
           </a:p>
@@ -1818,7 +1819,7 @@
           <a:p>
             <a:fld id="{76F05A1E-192C-498C-9C9B-22DD27AF35C8}" type="datetimeFigureOut">
               <a:rPr lang="en-US" smtClean="0"/>
-              <a:t>1/12/2020</a:t>
+              <a:t>1/26/2020</a:t>
             </a:fld>
             <a:endParaRPr lang="en-US"/>
           </a:p>
@@ -1959,7 +1960,7 @@
           <a:p>
             <a:fld id="{76F05A1E-192C-498C-9C9B-22DD27AF35C8}" type="datetimeFigureOut">
               <a:rPr lang="en-US" smtClean="0"/>
-              <a:t>1/12/2020</a:t>
+              <a:t>1/26/2020</a:t>
             </a:fld>
             <a:endParaRPr lang="en-US"/>
           </a:p>
@@ -2072,7 +2073,7 @@
           <a:p>
             <a:fld id="{76F05A1E-192C-498C-9C9B-22DD27AF35C8}" type="datetimeFigureOut">
               <a:rPr lang="en-US" smtClean="0"/>
-              <a:t>1/12/2020</a:t>
+              <a:t>1/26/2020</a:t>
             </a:fld>
             <a:endParaRPr lang="en-US"/>
           </a:p>
@@ -2383,7 +2384,7 @@
           <a:p>
             <a:fld id="{76F05A1E-192C-498C-9C9B-22DD27AF35C8}" type="datetimeFigureOut">
               <a:rPr lang="en-US" smtClean="0"/>
-              <a:t>1/12/2020</a:t>
+              <a:t>1/26/2020</a:t>
             </a:fld>
             <a:endParaRPr lang="en-US"/>
           </a:p>
@@ -2671,7 +2672,7 @@
           <a:p>
             <a:fld id="{76F05A1E-192C-498C-9C9B-22DD27AF35C8}" type="datetimeFigureOut">
               <a:rPr lang="en-US" smtClean="0"/>
-              <a:t>1/12/2020</a:t>
+              <a:t>1/26/2020</a:t>
             </a:fld>
             <a:endParaRPr lang="en-US"/>
           </a:p>
@@ -2912,7 +2913,7 @@
           <a:p>
             <a:fld id="{76F05A1E-192C-498C-9C9B-22DD27AF35C8}" type="datetimeFigureOut">
               <a:rPr lang="en-US" smtClean="0"/>
-              <a:t>1/12/2020</a:t>
+              <a:t>1/26/2020</a:t>
             </a:fld>
             <a:endParaRPr lang="en-US"/>
           </a:p>
@@ -3951,12 +3952,82 @@
               <a:t>	"</a:t>
             </a:r>
             <a:r>
+              <a:rPr lang="en-US" dirty="0" err="1">
+                <a:solidFill>
+                  <a:schemeClr val="tx2">
+                    <a:lumMod val="50000"/>
+                  </a:schemeClr>
+                </a:solidFill>
+              </a:rPr>
+              <a:t>fieldType</a:t>
+            </a:r>
+            <a:r>
+              <a:rPr lang="en-US" dirty="0"/>
+              <a:t>":"input",</a:t>
+            </a:r>
+          </a:p>
+          <a:p>
+            <a:r>
+              <a:rPr lang="en-US" dirty="0"/>
+              <a:t>	"</a:t>
+            </a:r>
+            <a:r>
+              <a:rPr lang="en-US" dirty="0" err="1">
+                <a:solidFill>
+                  <a:schemeClr val="tx2">
+                    <a:lumMod val="50000"/>
+                  </a:schemeClr>
+                </a:solidFill>
+              </a:rPr>
+              <a:t>idField</a:t>
+            </a:r>
+            <a:r>
+              <a:rPr lang="en-US" dirty="0"/>
+              <a:t>":"ID",</a:t>
+            </a:r>
+          </a:p>
+          <a:p>
+            <a:r>
+              <a:rPr lang="en-US" dirty="0"/>
+              <a:t>	“</a:t>
+            </a:r>
+            <a:r>
+              <a:rPr lang="en-US" dirty="0" err="1">
+                <a:solidFill>
+                  <a:schemeClr val="tx2">
+                    <a:lumMod val="50000"/>
+                  </a:schemeClr>
+                </a:solidFill>
+              </a:rPr>
+              <a:t>nameField</a:t>
+            </a:r>
+            <a:r>
+              <a:rPr lang="en-US" dirty="0"/>
+              <a:t>”:”NAME”,</a:t>
+            </a:r>
+          </a:p>
+          <a:p>
+            <a:r>
+              <a:rPr lang="en-US" dirty="0"/>
+              <a:t>	"</a:t>
+            </a:r>
+            <a:r>
+              <a:rPr lang="en-US" dirty="0" err="1">
+                <a:solidFill>
+                  <a:schemeClr val="tx2">
+                    <a:lumMod val="50000"/>
+                  </a:schemeClr>
+                </a:solidFill>
+              </a:rPr>
+              <a:t>type</a:t>
+            </a:r>
+            <a:r>
               <a:rPr lang="en-US" dirty="0" err="1"/>
-              <a:t>fieldType</a:t>
-            </a:r>
-            <a:r>
-              <a:rPr lang="en-US" dirty="0"/>
-              <a:t>":"input",</a:t>
+              <a:t>":"password</a:t>
+            </a:r>
+            <a:r>
+              <a:rPr lang="en-US" dirty="0"/>
+              <a:t>"</a:t>
             </a:r>
           </a:p>
           <a:p>
@@ -3965,26 +4036,22 @@
               <a:t>	"</a:t>
             </a:r>
             <a:r>
+              <a:rPr lang="en-US" dirty="0" err="1">
+                <a:solidFill>
+                  <a:schemeClr val="tx2">
+                    <a:lumMod val="50000"/>
+                  </a:schemeClr>
+                </a:solidFill>
+              </a:rPr>
+              <a:t>placeholder</a:t>
+            </a:r>
+            <a:r>
               <a:rPr lang="en-US" dirty="0" err="1"/>
-              <a:t>idField</a:t>
-            </a:r>
-            <a:r>
-              <a:rPr lang="en-US" dirty="0"/>
-              <a:t>":"ID",</a:t>
-            </a:r>
-          </a:p>
-          <a:p>
-            <a:r>
-              <a:rPr lang="en-US" dirty="0"/>
-              <a:t>	“</a:t>
-            </a:r>
-            <a:r>
-              <a:rPr lang="en-US" dirty="0" err="1"/>
-              <a:t>nameField</a:t>
-            </a:r>
-            <a:r>
-              <a:rPr lang="en-US" dirty="0"/>
-              <a:t>”:”NAME”,</a:t>
+              <a:t>":"AAA</a:t>
+            </a:r>
+            <a:r>
+              <a:rPr lang="en-US" dirty="0"/>
+              <a:t>",</a:t>
             </a:r>
           </a:p>
           <a:p>
@@ -3993,35 +4060,13 @@
               <a:t>	"</a:t>
             </a:r>
             <a:r>
-              <a:rPr lang="en-US" dirty="0" err="1"/>
-              <a:t>type":"password</a:t>
-            </a:r>
-            <a:r>
-              <a:rPr lang="en-US" dirty="0"/>
-              <a:t>"</a:t>
-            </a:r>
-          </a:p>
-          <a:p>
-            <a:r>
-              <a:rPr lang="en-US" dirty="0"/>
-              <a:t>	"</a:t>
-            </a:r>
-            <a:r>
-              <a:rPr lang="en-US" dirty="0" err="1"/>
-              <a:t>placeholder":"AAA</a:t>
-            </a:r>
-            <a:r>
-              <a:rPr lang="en-US" dirty="0"/>
-              <a:t>",</a:t>
-            </a:r>
-          </a:p>
-          <a:p>
-            <a:r>
-              <a:rPr lang="en-US" dirty="0"/>
-              <a:t>	"</a:t>
-            </a:r>
-            <a:r>
-              <a:rPr lang="en-US" dirty="0" err="1"/>
+              <a:rPr lang="en-US" dirty="0" err="1">
+                <a:solidFill>
+                  <a:schemeClr val="tx2">
+                    <a:lumMod val="50000"/>
+                  </a:schemeClr>
+                </a:solidFill>
+              </a:rPr>
               <a:t>formControlNameField</a:t>
             </a:r>
             <a:r>
@@ -4043,7 +4088,13 @@
               <a:t>	“</a:t>
             </a:r>
             <a:r>
-              <a:rPr lang="en-US" dirty="0" err="1"/>
+              <a:rPr lang="en-US" dirty="0" err="1">
+                <a:solidFill>
+                  <a:schemeClr val="tx2">
+                    <a:lumMod val="50000"/>
+                  </a:schemeClr>
+                </a:solidFill>
+              </a:rPr>
               <a:t>cssField</a:t>
             </a:r>
             <a:r>
@@ -4057,7 +4108,13 @@
               <a:t>	“</a:t>
             </a:r>
             <a:r>
-              <a:rPr lang="en-US" dirty="0" err="1"/>
+              <a:rPr lang="en-US" dirty="0" err="1">
+                <a:solidFill>
+                  <a:schemeClr val="tx2">
+                    <a:lumMod val="50000"/>
+                  </a:schemeClr>
+                </a:solidFill>
+              </a:rPr>
               <a:t>scriptField</a:t>
             </a:r>
             <a:r>
@@ -4240,7 +4297,13 @@
               <a:t>	"</a:t>
             </a:r>
             <a:r>
-              <a:rPr lang="en-US" dirty="0" err="1"/>
+              <a:rPr lang="en-US" dirty="0" err="1">
+                <a:solidFill>
+                  <a:schemeClr val="tx2">
+                    <a:lumMod val="50000"/>
+                  </a:schemeClr>
+                </a:solidFill>
+              </a:rPr>
               <a:t>fieldType</a:t>
             </a:r>
             <a:r>
@@ -4254,7 +4317,13 @@
               <a:t>	"</a:t>
             </a:r>
             <a:r>
-              <a:rPr lang="en-US" dirty="0" err="1"/>
+              <a:rPr lang="en-US" dirty="0" err="1">
+                <a:solidFill>
+                  <a:schemeClr val="tx2">
+                    <a:lumMod val="50000"/>
+                  </a:schemeClr>
+                </a:solidFill>
+              </a:rPr>
               <a:t>idField</a:t>
             </a:r>
             <a:r>
@@ -4268,7 +4337,13 @@
               <a:t>	“</a:t>
             </a:r>
             <a:r>
-              <a:rPr lang="en-US" dirty="0" err="1"/>
+              <a:rPr lang="en-US" dirty="0" err="1">
+                <a:solidFill>
+                  <a:schemeClr val="tx2">
+                    <a:lumMod val="50000"/>
+                  </a:schemeClr>
+                </a:solidFill>
+              </a:rPr>
               <a:t>nameField</a:t>
             </a:r>
             <a:r>
@@ -4276,7 +4351,13 @@
               <a:t>”:”NAME”,	"</a:t>
             </a:r>
             <a:r>
-              <a:rPr lang="en-US" dirty="0" err="1"/>
+              <a:rPr lang="en-US" dirty="0" err="1">
+                <a:solidFill>
+                  <a:schemeClr val="tx2">
+                    <a:lumMod val="50000"/>
+                  </a:schemeClr>
+                </a:solidFill>
+              </a:rPr>
               <a:t>formControlNameField</a:t>
             </a:r>
             <a:r>
@@ -4295,16 +4376,36 @@
           <a:p>
             <a:r>
               <a:rPr lang="en-US" dirty="0"/>
-              <a:t>	“options”:[“1”,”2”],</a:t>
-            </a:r>
-          </a:p>
-          <a:p>
-            <a:r>
-              <a:rPr lang="en-US" dirty="0"/>
               <a:t>	“</a:t>
             </a:r>
             <a:r>
-              <a:rPr lang="en-US" dirty="0" err="1"/>
+              <a:rPr lang="en-US" dirty="0">
+                <a:solidFill>
+                  <a:schemeClr val="tx2">
+                    <a:lumMod val="50000"/>
+                  </a:schemeClr>
+                </a:solidFill>
+              </a:rPr>
+              <a:t>collections</a:t>
+            </a:r>
+            <a:r>
+              <a:rPr lang="en-US" dirty="0"/>
+              <a:t>”:[“s1”,”2”],</a:t>
+            </a:r>
+          </a:p>
+          <a:p>
+            <a:r>
+              <a:rPr lang="en-US" dirty="0"/>
+              <a:t>	“</a:t>
+            </a:r>
+            <a:r>
+              <a:rPr lang="en-US" dirty="0" err="1">
+                <a:solidFill>
+                  <a:schemeClr val="tx2">
+                    <a:lumMod val="50000"/>
+                  </a:schemeClr>
+                </a:solidFill>
+              </a:rPr>
               <a:t>cssField</a:t>
             </a:r>
             <a:r>
@@ -4318,7 +4419,13 @@
               <a:t>	“</a:t>
             </a:r>
             <a:r>
-              <a:rPr lang="en-US" dirty="0" err="1"/>
+              <a:rPr lang="en-US" dirty="0" err="1">
+                <a:solidFill>
+                  <a:schemeClr val="tx2">
+                    <a:lumMod val="50000"/>
+                  </a:schemeClr>
+                </a:solidFill>
+              </a:rPr>
               <a:t>scriptField</a:t>
             </a:r>
             <a:r>
@@ -4364,10 +4471,698 @@
           <a:chExt cx="0" cy="0"/>
         </a:xfrm>
       </p:grpSpPr>
+      <p:sp>
+        <p:nvSpPr>
+          <p:cNvPr id="2" name="Rectangle 1">
+            <a:extLst>
+              <a:ext uri="{FF2B5EF4-FFF2-40B4-BE49-F238E27FC236}">
+                <a16:creationId xmlns:a16="http://schemas.microsoft.com/office/drawing/2014/main" id="{FA3F6903-02EE-40BE-B80C-44CB80DF4B5F}"/>
+              </a:ext>
+            </a:extLst>
+          </p:cNvPr>
+          <p:cNvSpPr/>
+          <p:nvPr/>
+        </p:nvSpPr>
+        <p:spPr>
+          <a:xfrm>
+            <a:off x="75372" y="0"/>
+            <a:ext cx="3727303" cy="923330"/>
+          </a:xfrm>
+          <a:prstGeom prst="rect">
+            <a:avLst/>
+          </a:prstGeom>
+          <a:noFill/>
+        </p:spPr>
+        <p:txBody>
+          <a:bodyPr wrap="none" lIns="91440" tIns="45720" rIns="91440" bIns="45720">
+            <a:spAutoFit/>
+          </a:bodyPr>
+          <a:lstStyle/>
+          <a:p>
+            <a:pPr algn="ctr"/>
+            <a:r>
+              <a:rPr lang="en-US" sz="5400" dirty="0">
+                <a:ln w="0"/>
+                <a:solidFill>
+                  <a:schemeClr val="accent1"/>
+                </a:solidFill>
+                <a:effectLst>
+                  <a:outerShdw blurRad="38100" dist="25400" dir="5400000" algn="ctr" rotWithShape="0">
+                    <a:srgbClr val="6E747A">
+                      <a:alpha val="43000"/>
+                    </a:srgbClr>
+                  </a:outerShdw>
+                </a:effectLst>
+              </a:rPr>
+              <a:t>RADIO FIELD</a:t>
+            </a:r>
+            <a:endParaRPr lang="en-US" sz="5400" b="0" cap="none" spc="0" dirty="0">
+              <a:ln w="0"/>
+              <a:solidFill>
+                <a:schemeClr val="accent1"/>
+              </a:solidFill>
+              <a:effectLst>
+                <a:outerShdw blurRad="38100" dist="25400" dir="5400000" algn="ctr" rotWithShape="0">
+                  <a:srgbClr val="6E747A">
+                    <a:alpha val="43000"/>
+                  </a:srgbClr>
+                </a:outerShdw>
+              </a:effectLst>
+            </a:endParaRPr>
+          </a:p>
+        </p:txBody>
+      </p:sp>
+      <p:sp>
+        <p:nvSpPr>
+          <p:cNvPr id="3" name="Rectangle: Rounded Corners 2">
+            <a:extLst>
+              <a:ext uri="{FF2B5EF4-FFF2-40B4-BE49-F238E27FC236}">
+                <a16:creationId xmlns:a16="http://schemas.microsoft.com/office/drawing/2014/main" id="{D369CCE2-FB97-49EA-BD6F-78CE77E8C803}"/>
+              </a:ext>
+            </a:extLst>
+          </p:cNvPr>
+          <p:cNvSpPr/>
+          <p:nvPr/>
+        </p:nvSpPr>
+        <p:spPr>
+          <a:xfrm>
+            <a:off x="3278909" y="1560945"/>
+            <a:ext cx="4659746" cy="3343563"/>
+          </a:xfrm>
+          <a:prstGeom prst="roundRect">
+            <a:avLst/>
+          </a:prstGeom>
+          <a:solidFill>
+            <a:srgbClr val="00B050"/>
+          </a:solidFill>
+          <a:ln>
+            <a:noFill/>
+          </a:ln>
+          <a:effectLst>
+            <a:outerShdw blurRad="44450" dist="27940" dir="5400000" algn="ctr">
+              <a:srgbClr val="000000">
+                <a:alpha val="32000"/>
+              </a:srgbClr>
+            </a:outerShdw>
+          </a:effectLst>
+          <a:scene3d>
+            <a:camera prst="orthographicFront">
+              <a:rot lat="0" lon="0" rev="0"/>
+            </a:camera>
+            <a:lightRig rig="balanced" dir="t">
+              <a:rot lat="0" lon="0" rev="8700000"/>
+            </a:lightRig>
+          </a:scene3d>
+          <a:sp3d>
+            <a:bevelT w="190500" h="38100"/>
+          </a:sp3d>
+        </p:spPr>
+        <p:style>
+          <a:lnRef idx="2">
+            <a:schemeClr val="accent1">
+              <a:shade val="50000"/>
+            </a:schemeClr>
+          </a:lnRef>
+          <a:fillRef idx="1">
+            <a:schemeClr val="accent1"/>
+          </a:fillRef>
+          <a:effectRef idx="0">
+            <a:schemeClr val="accent1"/>
+          </a:effectRef>
+          <a:fontRef idx="minor">
+            <a:schemeClr val="lt1"/>
+          </a:fontRef>
+        </p:style>
+        <p:txBody>
+          <a:bodyPr rtlCol="0" anchor="ctr"/>
+          <a:lstStyle/>
+          <a:p>
+            <a:r>
+              <a:rPr lang="en-US" dirty="0"/>
+              <a:t>{</a:t>
+            </a:r>
+          </a:p>
+          <a:p>
+            <a:r>
+              <a:rPr lang="en-US" dirty="0"/>
+              <a:t>	"</a:t>
+            </a:r>
+            <a:r>
+              <a:rPr lang="en-US" dirty="0" err="1">
+                <a:solidFill>
+                  <a:schemeClr val="tx2">
+                    <a:lumMod val="50000"/>
+                  </a:schemeClr>
+                </a:solidFill>
+              </a:rPr>
+              <a:t>fieldType</a:t>
+            </a:r>
+            <a:r>
+              <a:rPr lang="en-US" dirty="0"/>
+              <a:t>":“radio",</a:t>
+            </a:r>
+          </a:p>
+          <a:p>
+            <a:r>
+              <a:rPr lang="en-US" dirty="0"/>
+              <a:t>	"</a:t>
+            </a:r>
+            <a:r>
+              <a:rPr lang="en-US" dirty="0" err="1">
+                <a:solidFill>
+                  <a:schemeClr val="tx2">
+                    <a:lumMod val="50000"/>
+                  </a:schemeClr>
+                </a:solidFill>
+              </a:rPr>
+              <a:t>idField</a:t>
+            </a:r>
+            <a:r>
+              <a:rPr lang="en-US" dirty="0"/>
+              <a:t>":"ID",</a:t>
+            </a:r>
+          </a:p>
+          <a:p>
+            <a:r>
+              <a:rPr lang="en-US" dirty="0"/>
+              <a:t>	“</a:t>
+            </a:r>
+            <a:r>
+              <a:rPr lang="en-US" dirty="0" err="1">
+                <a:solidFill>
+                  <a:schemeClr val="tx2">
+                    <a:lumMod val="50000"/>
+                  </a:schemeClr>
+                </a:solidFill>
+              </a:rPr>
+              <a:t>nameField</a:t>
+            </a:r>
+            <a:r>
+              <a:rPr lang="en-US" dirty="0"/>
+              <a:t>”:”NAME”,</a:t>
+            </a:r>
+          </a:p>
+          <a:p>
+            <a:r>
+              <a:rPr lang="en-US" dirty="0"/>
+              <a:t>	“</a:t>
+            </a:r>
+            <a:r>
+              <a:rPr lang="en-US" dirty="0">
+                <a:solidFill>
+                  <a:schemeClr val="tx2">
+                    <a:lumMod val="50000"/>
+                  </a:schemeClr>
+                </a:solidFill>
+              </a:rPr>
+              <a:t>placeholder</a:t>
+            </a:r>
+            <a:r>
+              <a:rPr lang="en-US" dirty="0"/>
+              <a:t>”:”</a:t>
+            </a:r>
+            <a:r>
+              <a:rPr lang="en-US" dirty="0" err="1"/>
+              <a:t>abcxyz</a:t>
+            </a:r>
+            <a:r>
+              <a:rPr lang="en-US" dirty="0"/>
+              <a:t>”,</a:t>
+            </a:r>
+          </a:p>
+          <a:p>
+            <a:r>
+              <a:rPr lang="en-US" dirty="0"/>
+              <a:t>	"</a:t>
+            </a:r>
+            <a:r>
+              <a:rPr lang="en-US" dirty="0" err="1">
+                <a:solidFill>
+                  <a:schemeClr val="tx2">
+                    <a:lumMod val="50000"/>
+                  </a:schemeClr>
+                </a:solidFill>
+              </a:rPr>
+              <a:t>formControlNameField</a:t>
+            </a:r>
+            <a:r>
+              <a:rPr lang="en-US" dirty="0"/>
+              <a:t>":"</a:t>
+            </a:r>
+            <a:r>
+              <a:rPr lang="en-US" dirty="0" err="1"/>
+              <a:t>abc</a:t>
+            </a:r>
+            <a:r>
+              <a:rPr lang="en-US" dirty="0"/>
+              <a:t>“,</a:t>
+            </a:r>
+          </a:p>
+          <a:p>
+            <a:r>
+              <a:rPr lang="en-US" dirty="0"/>
+              <a:t>	“</a:t>
+            </a:r>
+            <a:r>
+              <a:rPr lang="en-US" dirty="0">
+                <a:solidFill>
+                  <a:schemeClr val="tx2">
+                    <a:lumMod val="50000"/>
+                  </a:schemeClr>
+                </a:solidFill>
+              </a:rPr>
+              <a:t>collections</a:t>
+            </a:r>
+            <a:r>
+              <a:rPr lang="en-US" dirty="0"/>
+              <a:t>”:[“1”,”2”],</a:t>
+            </a:r>
+          </a:p>
+          <a:p>
+            <a:r>
+              <a:rPr lang="en-US" dirty="0"/>
+              <a:t>	“</a:t>
+            </a:r>
+            <a:r>
+              <a:rPr lang="en-US" dirty="0" err="1">
+                <a:solidFill>
+                  <a:schemeClr val="tx2">
+                    <a:lumMod val="50000"/>
+                  </a:schemeClr>
+                </a:solidFill>
+              </a:rPr>
+              <a:t>cssField</a:t>
+            </a:r>
+            <a:r>
+              <a:rPr lang="en-US" dirty="0"/>
+              <a:t>”:”XXXXX”,</a:t>
+            </a:r>
+          </a:p>
+          <a:p>
+            <a:r>
+              <a:rPr lang="en-US" dirty="0"/>
+              <a:t>	“</a:t>
+            </a:r>
+            <a:r>
+              <a:rPr lang="en-US" dirty="0" err="1">
+                <a:solidFill>
+                  <a:schemeClr val="tx2">
+                    <a:lumMod val="50000"/>
+                  </a:schemeClr>
+                </a:solidFill>
+              </a:rPr>
+              <a:t>scriptField</a:t>
+            </a:r>
+            <a:r>
+              <a:rPr lang="en-US" dirty="0"/>
+              <a:t>”:”XXXXX”</a:t>
+            </a:r>
+          </a:p>
+          <a:p>
+            <a:r>
+              <a:rPr lang="en-US" dirty="0"/>
+              <a:t>}</a:t>
+            </a:r>
+          </a:p>
+        </p:txBody>
+      </p:sp>
     </p:spTree>
     <p:extLst>
       <p:ext uri="{BB962C8B-B14F-4D97-AF65-F5344CB8AC3E}">
         <p14:creationId xmlns:p14="http://schemas.microsoft.com/office/powerpoint/2010/main" val="2923732989"/>
+      </p:ext>
+    </p:extLst>
+  </p:cSld>
+  <p:clrMapOvr>
+    <a:masterClrMapping/>
+  </p:clrMapOvr>
+</p:sld>
+</file>
+
+<file path=ppt/slides/slide5.xml><?xml version="1.0" encoding="utf-8"?>
+<p:sld xmlns:a="http://schemas.openxmlformats.org/drawingml/2006/main" xmlns:r="http://schemas.openxmlformats.org/officeDocument/2006/relationships" xmlns:p="http://schemas.openxmlformats.org/presentationml/2006/main">
+  <p:cSld>
+    <p:spTree>
+      <p:nvGrpSpPr>
+        <p:cNvPr id="1" name=""/>
+        <p:cNvGrpSpPr/>
+        <p:nvPr/>
+      </p:nvGrpSpPr>
+      <p:grpSpPr>
+        <a:xfrm>
+          <a:off x="0" y="0"/>
+          <a:ext cx="0" cy="0"/>
+          <a:chOff x="0" y="0"/>
+          <a:chExt cx="0" cy="0"/>
+        </a:xfrm>
+      </p:grpSpPr>
+      <p:sp>
+        <p:nvSpPr>
+          <p:cNvPr id="2" name="Rectangle 1">
+            <a:extLst>
+              <a:ext uri="{FF2B5EF4-FFF2-40B4-BE49-F238E27FC236}">
+                <a16:creationId xmlns:a16="http://schemas.microsoft.com/office/drawing/2014/main" id="{FA3F6903-02EE-40BE-B80C-44CB80DF4B5F}"/>
+              </a:ext>
+            </a:extLst>
+          </p:cNvPr>
+          <p:cNvSpPr/>
+          <p:nvPr/>
+        </p:nvSpPr>
+        <p:spPr>
+          <a:xfrm>
+            <a:off x="0" y="0"/>
+            <a:ext cx="4920578" cy="923330"/>
+          </a:xfrm>
+          <a:prstGeom prst="rect">
+            <a:avLst/>
+          </a:prstGeom>
+          <a:noFill/>
+        </p:spPr>
+        <p:txBody>
+          <a:bodyPr wrap="none" lIns="91440" tIns="45720" rIns="91440" bIns="45720">
+            <a:spAutoFit/>
+          </a:bodyPr>
+          <a:lstStyle/>
+          <a:p>
+            <a:pPr algn="ctr"/>
+            <a:r>
+              <a:rPr lang="en-US" sz="5400" dirty="0">
+                <a:ln w="0"/>
+                <a:solidFill>
+                  <a:schemeClr val="accent1"/>
+                </a:solidFill>
+                <a:effectLst>
+                  <a:outerShdw blurRad="38100" dist="25400" dir="5400000" algn="ctr" rotWithShape="0">
+                    <a:srgbClr val="6E747A">
+                      <a:alpha val="43000"/>
+                    </a:srgbClr>
+                  </a:outerShdw>
+                </a:effectLst>
+              </a:rPr>
+              <a:t>CHECKBOX FIELD</a:t>
+            </a:r>
+            <a:endParaRPr lang="en-US" sz="5400" b="0" cap="none" spc="0" dirty="0">
+              <a:ln w="0"/>
+              <a:solidFill>
+                <a:schemeClr val="accent1"/>
+              </a:solidFill>
+              <a:effectLst>
+                <a:outerShdw blurRad="38100" dist="25400" dir="5400000" algn="ctr" rotWithShape="0">
+                  <a:srgbClr val="6E747A">
+                    <a:alpha val="43000"/>
+                  </a:srgbClr>
+                </a:outerShdw>
+              </a:effectLst>
+            </a:endParaRPr>
+          </a:p>
+        </p:txBody>
+      </p:sp>
+      <p:sp>
+        <p:nvSpPr>
+          <p:cNvPr id="3" name="Rectangle: Rounded Corners 2">
+            <a:extLst>
+              <a:ext uri="{FF2B5EF4-FFF2-40B4-BE49-F238E27FC236}">
+                <a16:creationId xmlns:a16="http://schemas.microsoft.com/office/drawing/2014/main" id="{D369CCE2-FB97-49EA-BD6F-78CE77E8C803}"/>
+              </a:ext>
+            </a:extLst>
+          </p:cNvPr>
+          <p:cNvSpPr/>
+          <p:nvPr/>
+        </p:nvSpPr>
+        <p:spPr>
+          <a:xfrm>
+            <a:off x="3278909" y="1560945"/>
+            <a:ext cx="4659746" cy="3343563"/>
+          </a:xfrm>
+          <a:prstGeom prst="roundRect">
+            <a:avLst/>
+          </a:prstGeom>
+          <a:solidFill>
+            <a:srgbClr val="00B050"/>
+          </a:solidFill>
+          <a:ln>
+            <a:noFill/>
+          </a:ln>
+          <a:effectLst>
+            <a:outerShdw blurRad="44450" dist="27940" dir="5400000" algn="ctr">
+              <a:srgbClr val="000000">
+                <a:alpha val="32000"/>
+              </a:srgbClr>
+            </a:outerShdw>
+          </a:effectLst>
+          <a:scene3d>
+            <a:camera prst="orthographicFront">
+              <a:rot lat="0" lon="0" rev="0"/>
+            </a:camera>
+            <a:lightRig rig="balanced" dir="t">
+              <a:rot lat="0" lon="0" rev="8700000"/>
+            </a:lightRig>
+          </a:scene3d>
+          <a:sp3d>
+            <a:bevelT w="190500" h="38100"/>
+          </a:sp3d>
+        </p:spPr>
+        <p:style>
+          <a:lnRef idx="2">
+            <a:schemeClr val="accent1">
+              <a:shade val="50000"/>
+            </a:schemeClr>
+          </a:lnRef>
+          <a:fillRef idx="1">
+            <a:schemeClr val="accent1"/>
+          </a:fillRef>
+          <a:effectRef idx="0">
+            <a:schemeClr val="accent1"/>
+          </a:effectRef>
+          <a:fontRef idx="minor">
+            <a:schemeClr val="lt1"/>
+          </a:fontRef>
+        </p:style>
+        <p:txBody>
+          <a:bodyPr rtlCol="0" anchor="ctr"/>
+          <a:lstStyle/>
+          <a:p>
+            <a:r>
+              <a:rPr lang="en-US" dirty="0"/>
+              <a:t>{</a:t>
+            </a:r>
+          </a:p>
+          <a:p>
+            <a:r>
+              <a:rPr lang="en-US" dirty="0"/>
+              <a:t>	"</a:t>
+            </a:r>
+            <a:r>
+              <a:rPr lang="en-US" dirty="0" err="1">
+                <a:solidFill>
+                  <a:schemeClr val="tx2">
+                    <a:lumMod val="50000"/>
+                  </a:schemeClr>
+                </a:solidFill>
+              </a:rPr>
+              <a:t>fieldType</a:t>
+            </a:r>
+            <a:r>
+              <a:rPr lang="en-US" dirty="0"/>
+              <a:t>":“radio",</a:t>
+            </a:r>
+          </a:p>
+          <a:p>
+            <a:r>
+              <a:rPr lang="en-US" dirty="0"/>
+              <a:t>	"</a:t>
+            </a:r>
+            <a:r>
+              <a:rPr lang="en-US" dirty="0" err="1">
+                <a:solidFill>
+                  <a:schemeClr val="tx2">
+                    <a:lumMod val="50000"/>
+                  </a:schemeClr>
+                </a:solidFill>
+              </a:rPr>
+              <a:t>idField</a:t>
+            </a:r>
+            <a:r>
+              <a:rPr lang="en-US" dirty="0"/>
+              <a:t>":"ID",</a:t>
+            </a:r>
+          </a:p>
+          <a:p>
+            <a:r>
+              <a:rPr lang="en-US" dirty="0"/>
+              <a:t>	“</a:t>
+            </a:r>
+            <a:r>
+              <a:rPr lang="en-US" dirty="0" err="1">
+                <a:solidFill>
+                  <a:schemeClr val="tx2">
+                    <a:lumMod val="50000"/>
+                  </a:schemeClr>
+                </a:solidFill>
+              </a:rPr>
+              <a:t>nameField</a:t>
+            </a:r>
+            <a:r>
+              <a:rPr lang="en-US" dirty="0"/>
+              <a:t>”:”NAME”,</a:t>
+            </a:r>
+          </a:p>
+          <a:p>
+            <a:r>
+              <a:rPr lang="en-US" dirty="0"/>
+              <a:t>	“</a:t>
+            </a:r>
+            <a:r>
+              <a:rPr lang="en-US" dirty="0">
+                <a:solidFill>
+                  <a:schemeClr val="tx2">
+                    <a:lumMod val="50000"/>
+                  </a:schemeClr>
+                </a:solidFill>
+              </a:rPr>
+              <a:t>placeholder</a:t>
+            </a:r>
+            <a:r>
+              <a:rPr lang="en-US" dirty="0"/>
+              <a:t>”:”</a:t>
+            </a:r>
+            <a:r>
+              <a:rPr lang="en-US" dirty="0" err="1"/>
+              <a:t>abcxyz</a:t>
+            </a:r>
+            <a:r>
+              <a:rPr lang="en-US" dirty="0"/>
+              <a:t>”,</a:t>
+            </a:r>
+          </a:p>
+          <a:p>
+            <a:r>
+              <a:rPr lang="en-US" dirty="0"/>
+              <a:t>	"</a:t>
+            </a:r>
+            <a:r>
+              <a:rPr lang="en-US" dirty="0" err="1">
+                <a:solidFill>
+                  <a:schemeClr val="tx2">
+                    <a:lumMod val="50000"/>
+                  </a:schemeClr>
+                </a:solidFill>
+              </a:rPr>
+              <a:t>formControlNameField</a:t>
+            </a:r>
+            <a:r>
+              <a:rPr lang="en-US" dirty="0"/>
+              <a:t>":"</a:t>
+            </a:r>
+            <a:r>
+              <a:rPr lang="en-US" dirty="0" err="1"/>
+              <a:t>abc</a:t>
+            </a:r>
+            <a:r>
+              <a:rPr lang="en-US" dirty="0"/>
+              <a:t>“,</a:t>
+            </a:r>
+          </a:p>
+          <a:p>
+            <a:r>
+              <a:rPr lang="en-US" dirty="0"/>
+              <a:t>	“</a:t>
+            </a:r>
+            <a:r>
+              <a:rPr lang="en-US" dirty="0" err="1">
+                <a:solidFill>
+                  <a:schemeClr val="tx2">
+                    <a:lumMod val="50000"/>
+                  </a:schemeClr>
+                </a:solidFill>
+              </a:rPr>
+              <a:t>checkboxContent</a:t>
+            </a:r>
+            <a:r>
+              <a:rPr lang="en-US" dirty="0"/>
+              <a:t>”:”</a:t>
+            </a:r>
+            <a:r>
+              <a:rPr lang="en-US" dirty="0" err="1"/>
+              <a:t>aaa</a:t>
+            </a:r>
+            <a:r>
+              <a:rPr lang="en-US" dirty="0"/>
+              <a:t>”</a:t>
+            </a:r>
+          </a:p>
+          <a:p>
+            <a:r>
+              <a:rPr lang="en-US" dirty="0"/>
+              <a:t>	“</a:t>
+            </a:r>
+            <a:r>
+              <a:rPr lang="en-US" dirty="0" err="1">
+                <a:solidFill>
+                  <a:schemeClr val="tx2">
+                    <a:lumMod val="50000"/>
+                  </a:schemeClr>
+                </a:solidFill>
+              </a:rPr>
+              <a:t>labelPosition</a:t>
+            </a:r>
+            <a:r>
+              <a:rPr lang="en-US" dirty="0"/>
+              <a:t>”:”after”,</a:t>
+            </a:r>
+          </a:p>
+          <a:p>
+            <a:r>
+              <a:rPr lang="en-US" dirty="0"/>
+              <a:t>	“</a:t>
+            </a:r>
+            <a:r>
+              <a:rPr lang="en-US" dirty="0" err="1">
+                <a:solidFill>
+                  <a:schemeClr val="tx2">
+                    <a:lumMod val="50000"/>
+                  </a:schemeClr>
+                </a:solidFill>
+              </a:rPr>
+              <a:t>cssField</a:t>
+            </a:r>
+            <a:r>
+              <a:rPr lang="en-US" dirty="0"/>
+              <a:t>”:”XXXXX”,</a:t>
+            </a:r>
+          </a:p>
+          <a:p>
+            <a:r>
+              <a:rPr lang="en-US" dirty="0"/>
+              <a:t>	“</a:t>
+            </a:r>
+            <a:r>
+              <a:rPr lang="en-US" dirty="0" err="1">
+                <a:solidFill>
+                  <a:schemeClr val="tx2">
+                    <a:lumMod val="50000"/>
+                  </a:schemeClr>
+                </a:solidFill>
+              </a:rPr>
+              <a:t>scriptField</a:t>
+            </a:r>
+            <a:r>
+              <a:rPr lang="en-US" dirty="0"/>
+              <a:t>”:”XXXXX”</a:t>
+            </a:r>
+          </a:p>
+          <a:p>
+            <a:r>
+              <a:rPr lang="en-US" dirty="0"/>
+              <a:t>}</a:t>
+            </a:r>
+          </a:p>
+        </p:txBody>
+      </p:sp>
+    </p:spTree>
+    <p:extLst>
+      <p:ext uri="{BB962C8B-B14F-4D97-AF65-F5344CB8AC3E}">
+        <p14:creationId xmlns:p14="http://schemas.microsoft.com/office/powerpoint/2010/main" val="917402343"/>
       </p:ext>
     </p:extLst>
   </p:cSld>

--- a/Documents/design/JsonForField.pptx
+++ b/Documents/design/JsonForField.pptx
@@ -263,7 +263,7 @@
           <a:p>
             <a:fld id="{76F05A1E-192C-498C-9C9B-22DD27AF35C8}" type="datetimeFigureOut">
               <a:rPr lang="en-US" smtClean="0"/>
-              <a:t>1/26/2020</a:t>
+              <a:t>1/29/2020</a:t>
             </a:fld>
             <a:endParaRPr lang="en-US"/>
           </a:p>
@@ -461,7 +461,7 @@
           <a:p>
             <a:fld id="{76F05A1E-192C-498C-9C9B-22DD27AF35C8}" type="datetimeFigureOut">
               <a:rPr lang="en-US" smtClean="0"/>
-              <a:t>1/26/2020</a:t>
+              <a:t>1/29/2020</a:t>
             </a:fld>
             <a:endParaRPr lang="en-US"/>
           </a:p>
@@ -669,7 +669,7 @@
           <a:p>
             <a:fld id="{76F05A1E-192C-498C-9C9B-22DD27AF35C8}" type="datetimeFigureOut">
               <a:rPr lang="en-US" smtClean="0"/>
-              <a:t>1/26/2020</a:t>
+              <a:t>1/29/2020</a:t>
             </a:fld>
             <a:endParaRPr lang="en-US"/>
           </a:p>
@@ -867,7 +867,7 @@
           <a:p>
             <a:fld id="{76F05A1E-192C-498C-9C9B-22DD27AF35C8}" type="datetimeFigureOut">
               <a:rPr lang="en-US" smtClean="0"/>
-              <a:t>1/26/2020</a:t>
+              <a:t>1/29/2020</a:t>
             </a:fld>
             <a:endParaRPr lang="en-US"/>
           </a:p>
@@ -1142,7 +1142,7 @@
           <a:p>
             <a:fld id="{76F05A1E-192C-498C-9C9B-22DD27AF35C8}" type="datetimeFigureOut">
               <a:rPr lang="en-US" smtClean="0"/>
-              <a:t>1/26/2020</a:t>
+              <a:t>1/29/2020</a:t>
             </a:fld>
             <a:endParaRPr lang="en-US"/>
           </a:p>
@@ -1407,7 +1407,7 @@
           <a:p>
             <a:fld id="{76F05A1E-192C-498C-9C9B-22DD27AF35C8}" type="datetimeFigureOut">
               <a:rPr lang="en-US" smtClean="0"/>
-              <a:t>1/26/2020</a:t>
+              <a:t>1/29/2020</a:t>
             </a:fld>
             <a:endParaRPr lang="en-US"/>
           </a:p>
@@ -1819,7 +1819,7 @@
           <a:p>
             <a:fld id="{76F05A1E-192C-498C-9C9B-22DD27AF35C8}" type="datetimeFigureOut">
               <a:rPr lang="en-US" smtClean="0"/>
-              <a:t>1/26/2020</a:t>
+              <a:t>1/29/2020</a:t>
             </a:fld>
             <a:endParaRPr lang="en-US"/>
           </a:p>
@@ -1960,7 +1960,7 @@
           <a:p>
             <a:fld id="{76F05A1E-192C-498C-9C9B-22DD27AF35C8}" type="datetimeFigureOut">
               <a:rPr lang="en-US" smtClean="0"/>
-              <a:t>1/26/2020</a:t>
+              <a:t>1/29/2020</a:t>
             </a:fld>
             <a:endParaRPr lang="en-US"/>
           </a:p>
@@ -2073,7 +2073,7 @@
           <a:p>
             <a:fld id="{76F05A1E-192C-498C-9C9B-22DD27AF35C8}" type="datetimeFigureOut">
               <a:rPr lang="en-US" smtClean="0"/>
-              <a:t>1/26/2020</a:t>
+              <a:t>1/29/2020</a:t>
             </a:fld>
             <a:endParaRPr lang="en-US"/>
           </a:p>
@@ -2384,7 +2384,7 @@
           <a:p>
             <a:fld id="{76F05A1E-192C-498C-9C9B-22DD27AF35C8}" type="datetimeFigureOut">
               <a:rPr lang="en-US" smtClean="0"/>
-              <a:t>1/26/2020</a:t>
+              <a:t>1/29/2020</a:t>
             </a:fld>
             <a:endParaRPr lang="en-US"/>
           </a:p>
@@ -2672,7 +2672,7 @@
           <a:p>
             <a:fld id="{76F05A1E-192C-498C-9C9B-22DD27AF35C8}" type="datetimeFigureOut">
               <a:rPr lang="en-US" smtClean="0"/>
-              <a:t>1/26/2020</a:t>
+              <a:t>1/29/2020</a:t>
             </a:fld>
             <a:endParaRPr lang="en-US"/>
           </a:p>
@@ -2913,7 +2913,7 @@
           <a:p>
             <a:fld id="{76F05A1E-192C-498C-9C9B-22DD27AF35C8}" type="datetimeFigureOut">
               <a:rPr lang="en-US" smtClean="0"/>
-              <a:t>1/26/2020</a:t>
+              <a:t>1/29/2020</a:t>
             </a:fld>
             <a:endParaRPr lang="en-US"/>
           </a:p>
@@ -3400,6 +3400,45 @@
           <a:p>
             <a:r>
               <a:rPr lang="en-US" dirty="0"/>
+              <a:t>	“</a:t>
+            </a:r>
+            <a:r>
+              <a:rPr lang="en-US"/>
+              <a:t>id”:”XX123”,</a:t>
+            </a:r>
+            <a:endParaRPr lang="en-US" dirty="0"/>
+          </a:p>
+          <a:p>
+            <a:r>
+              <a:rPr lang="en-US" dirty="0"/>
+              <a:t>	“</a:t>
+            </a:r>
+            <a:r>
+              <a:rPr lang="en-US" dirty="0" err="1"/>
+              <a:t>name”:”Form</a:t>
+            </a:r>
+            <a:r>
+              <a:rPr lang="en-US" dirty="0"/>
+              <a:t> 1”,</a:t>
+            </a:r>
+          </a:p>
+          <a:p>
+            <a:r>
+              <a:rPr lang="en-US" dirty="0"/>
+              <a:t>	“</a:t>
+            </a:r>
+            <a:r>
+              <a:rPr lang="en-US" dirty="0" err="1"/>
+              <a:t>description”:”Use</a:t>
+            </a:r>
+            <a:r>
+              <a:rPr lang="en-US" dirty="0"/>
+              <a:t> for student”,</a:t>
+            </a:r>
+          </a:p>
+          <a:p>
+            <a:r>
+              <a:rPr lang="en-US" dirty="0"/>
               <a:t>	"application":</a:t>
             </a:r>
           </a:p>
@@ -4119,7 +4158,33 @@
             </a:r>
             <a:r>
               <a:rPr lang="en-US" dirty="0"/>
-              <a:t>”:”XXXXX”</a:t>
+              <a:t>”:”XXXXX”,</a:t>
+            </a:r>
+          </a:p>
+          <a:p>
+            <a:r>
+              <a:rPr lang="en-US" dirty="0"/>
+              <a:t>	“</a:t>
+            </a:r>
+            <a:r>
+              <a:rPr lang="en-US" dirty="0">
+                <a:solidFill>
+                  <a:srgbClr val="002060"/>
+                </a:solidFill>
+              </a:rPr>
+              <a:t>value</a:t>
+            </a:r>
+            <a:r>
+              <a:rPr lang="en-US" dirty="0"/>
+              <a:t>”:”</a:t>
+            </a:r>
+            <a:r>
+              <a:rPr lang="en-US" dirty="0" err="1"/>
+              <a:t>sss</a:t>
+            </a:r>
+            <a:r>
+              <a:rPr lang="en-US" dirty="0"/>
+              <a:t>”</a:t>
             </a:r>
           </a:p>
           <a:p>
@@ -4430,7 +4495,33 @@
             </a:r>
             <a:r>
               <a:rPr lang="en-US" dirty="0"/>
-              <a:t>”:”XXXXX”</a:t>
+              <a:t>”:”XXXXX”,</a:t>
+            </a:r>
+          </a:p>
+          <a:p>
+            <a:r>
+              <a:rPr lang="en-US" dirty="0"/>
+              <a:t>	“</a:t>
+            </a:r>
+            <a:r>
+              <a:rPr lang="en-US" dirty="0">
+                <a:solidFill>
+                  <a:srgbClr val="002060"/>
+                </a:solidFill>
+              </a:rPr>
+              <a:t>value</a:t>
+            </a:r>
+            <a:r>
+              <a:rPr lang="en-US" dirty="0"/>
+              <a:t>”:”</a:t>
+            </a:r>
+            <a:r>
+              <a:rPr lang="en-US" dirty="0" err="1"/>
+              <a:t>sss</a:t>
+            </a:r>
+            <a:r>
+              <a:rPr lang="en-US" dirty="0"/>
+              <a:t>”</a:t>
             </a:r>
           </a:p>
           <a:p>
@@ -4775,7 +4866,33 @@
             </a:r>
             <a:r>
               <a:rPr lang="en-US" dirty="0"/>
-              <a:t>”:”XXXXX”</a:t>
+              <a:t>”:”XXXXX”,</a:t>
+            </a:r>
+          </a:p>
+          <a:p>
+            <a:r>
+              <a:rPr lang="en-US" dirty="0"/>
+              <a:t>	“</a:t>
+            </a:r>
+            <a:r>
+              <a:rPr lang="en-US" dirty="0">
+                <a:solidFill>
+                  <a:srgbClr val="002060"/>
+                </a:solidFill>
+              </a:rPr>
+              <a:t>value</a:t>
+            </a:r>
+            <a:r>
+              <a:rPr lang="en-US" dirty="0"/>
+              <a:t>”:”</a:t>
+            </a:r>
+            <a:r>
+              <a:rPr lang="en-US" dirty="0" err="1"/>
+              <a:t>sss</a:t>
+            </a:r>
+            <a:r>
+              <a:rPr lang="en-US" dirty="0"/>
+              <a:t>”</a:t>
             </a:r>
           </a:p>
           <a:p>
@@ -5148,8 +5265,32 @@
             </a:r>
             <a:r>
               <a:rPr lang="en-US" dirty="0"/>
-              <a:t>”:”XXXXX”</a:t>
-            </a:r>
+              <a:t>”:”</a:t>
+            </a:r>
+            <a:r>
+              <a:rPr lang="en-US"/>
+              <a:t>XXXXX”,</a:t>
+            </a:r>
+            <a:endParaRPr lang="en-US" dirty="0"/>
+          </a:p>
+          <a:p>
+            <a:r>
+              <a:rPr lang="en-US" dirty="0"/>
+              <a:t>	“</a:t>
+            </a:r>
+            <a:r>
+              <a:rPr lang="en-US" dirty="0" err="1">
+                <a:solidFill>
+                  <a:srgbClr val="002060"/>
+                </a:solidFill>
+              </a:rPr>
+              <a:t>value</a:t>
+            </a:r>
+            <a:r>
+              <a:rPr lang="en-US" dirty="0" err="1"/>
+              <a:t>”:true</a:t>
+            </a:r>
+            <a:endParaRPr lang="en-US" dirty="0"/>
           </a:p>
           <a:p>
             <a:r>
